--- a/doc/tigerbx.pptx
+++ b/doc/tigerbx.pptx
@@ -7,6 +7,7 @@
   <p:sldIdLst>
     <p:sldId id="258" r:id="rId2"/>
     <p:sldId id="259" r:id="rId3"/>
+    <p:sldId id="260" r:id="rId4"/>
   </p:sldIdLst>
   <p:sldSz cx="6400800" cy="3600450"/>
   <p:notesSz cx="6858000" cy="9144000"/>
@@ -244,7 +245,7 @@
           <a:p>
             <a:fld id="{AA3CA822-DBEB-4A3F-9FDF-13FC8C18718D}" type="datetimeFigureOut">
               <a:rPr lang="zh-TW" altLang="en-US" smtClean="0"/>
-              <a:t>2023/1/14</a:t>
+              <a:t>2024/1/21</a:t>
             </a:fld>
             <a:endParaRPr lang="zh-TW" altLang="en-US"/>
           </a:p>
@@ -414,7 +415,7 @@
           <a:p>
             <a:fld id="{AA3CA822-DBEB-4A3F-9FDF-13FC8C18718D}" type="datetimeFigureOut">
               <a:rPr lang="zh-TW" altLang="en-US" smtClean="0"/>
-              <a:t>2023/1/14</a:t>
+              <a:t>2024/1/21</a:t>
             </a:fld>
             <a:endParaRPr lang="zh-TW" altLang="en-US"/>
           </a:p>
@@ -594,7 +595,7 @@
           <a:p>
             <a:fld id="{AA3CA822-DBEB-4A3F-9FDF-13FC8C18718D}" type="datetimeFigureOut">
               <a:rPr lang="zh-TW" altLang="en-US" smtClean="0"/>
-              <a:t>2023/1/14</a:t>
+              <a:t>2024/1/21</a:t>
             </a:fld>
             <a:endParaRPr lang="zh-TW" altLang="en-US"/>
           </a:p>
@@ -764,7 +765,7 @@
           <a:p>
             <a:fld id="{AA3CA822-DBEB-4A3F-9FDF-13FC8C18718D}" type="datetimeFigureOut">
               <a:rPr lang="zh-TW" altLang="en-US" smtClean="0"/>
-              <a:t>2023/1/14</a:t>
+              <a:t>2024/1/21</a:t>
             </a:fld>
             <a:endParaRPr lang="zh-TW" altLang="en-US"/>
           </a:p>
@@ -1010,7 +1011,7 @@
           <a:p>
             <a:fld id="{AA3CA822-DBEB-4A3F-9FDF-13FC8C18718D}" type="datetimeFigureOut">
               <a:rPr lang="zh-TW" altLang="en-US" smtClean="0"/>
-              <a:t>2023/1/14</a:t>
+              <a:t>2024/1/21</a:t>
             </a:fld>
             <a:endParaRPr lang="zh-TW" altLang="en-US"/>
           </a:p>
@@ -1242,7 +1243,7 @@
           <a:p>
             <a:fld id="{AA3CA822-DBEB-4A3F-9FDF-13FC8C18718D}" type="datetimeFigureOut">
               <a:rPr lang="zh-TW" altLang="en-US" smtClean="0"/>
-              <a:t>2023/1/14</a:t>
+              <a:t>2024/1/21</a:t>
             </a:fld>
             <a:endParaRPr lang="zh-TW" altLang="en-US"/>
           </a:p>
@@ -1609,7 +1610,7 @@
           <a:p>
             <a:fld id="{AA3CA822-DBEB-4A3F-9FDF-13FC8C18718D}" type="datetimeFigureOut">
               <a:rPr lang="zh-TW" altLang="en-US" smtClean="0"/>
-              <a:t>2023/1/14</a:t>
+              <a:t>2024/1/21</a:t>
             </a:fld>
             <a:endParaRPr lang="zh-TW" altLang="en-US"/>
           </a:p>
@@ -1727,7 +1728,7 @@
           <a:p>
             <a:fld id="{AA3CA822-DBEB-4A3F-9FDF-13FC8C18718D}" type="datetimeFigureOut">
               <a:rPr lang="zh-TW" altLang="en-US" smtClean="0"/>
-              <a:t>2023/1/14</a:t>
+              <a:t>2024/1/21</a:t>
             </a:fld>
             <a:endParaRPr lang="zh-TW" altLang="en-US"/>
           </a:p>
@@ -1822,7 +1823,7 @@
           <a:p>
             <a:fld id="{AA3CA822-DBEB-4A3F-9FDF-13FC8C18718D}" type="datetimeFigureOut">
               <a:rPr lang="zh-TW" altLang="en-US" smtClean="0"/>
-              <a:t>2023/1/14</a:t>
+              <a:t>2024/1/21</a:t>
             </a:fld>
             <a:endParaRPr lang="zh-TW" altLang="en-US"/>
           </a:p>
@@ -2099,7 +2100,7 @@
           <a:p>
             <a:fld id="{AA3CA822-DBEB-4A3F-9FDF-13FC8C18718D}" type="datetimeFigureOut">
               <a:rPr lang="zh-TW" altLang="en-US" smtClean="0"/>
-              <a:t>2023/1/14</a:t>
+              <a:t>2024/1/21</a:t>
             </a:fld>
             <a:endParaRPr lang="zh-TW" altLang="en-US"/>
           </a:p>
@@ -2356,7 +2357,7 @@
           <a:p>
             <a:fld id="{AA3CA822-DBEB-4A3F-9FDF-13FC8C18718D}" type="datetimeFigureOut">
               <a:rPr lang="zh-TW" altLang="en-US" smtClean="0"/>
-              <a:t>2023/1/14</a:t>
+              <a:t>2024/1/21</a:t>
             </a:fld>
             <a:endParaRPr lang="zh-TW" altLang="en-US"/>
           </a:p>
@@ -2569,7 +2570,7 @@
           <a:p>
             <a:fld id="{AA3CA822-DBEB-4A3F-9FDF-13FC8C18718D}" type="datetimeFigureOut">
               <a:rPr lang="zh-TW" altLang="en-US" smtClean="0"/>
-              <a:t>2023/1/14</a:t>
+              <a:t>2024/1/21</a:t>
             </a:fld>
             <a:endParaRPr lang="zh-TW" altLang="en-US"/>
           </a:p>
@@ -3334,6 +3335,66 @@
 </p:sld>
 </file>
 
+<file path=ppt/slides/slide3.xml><?xml version="1.0" encoding="utf-8"?>
+<p:sld xmlns:a="http://schemas.openxmlformats.org/drawingml/2006/main" xmlns:r="http://schemas.openxmlformats.org/officeDocument/2006/relationships" xmlns:p="http://schemas.openxmlformats.org/presentationml/2006/main">
+  <p:cSld>
+    <p:spTree>
+      <p:nvGrpSpPr>
+        <p:cNvPr id="1" name=""/>
+        <p:cNvGrpSpPr/>
+        <p:nvPr/>
+      </p:nvGrpSpPr>
+      <p:grpSpPr>
+        <a:xfrm>
+          <a:off x="0" y="0"/>
+          <a:ext cx="0" cy="0"/>
+          <a:chOff x="0" y="0"/>
+          <a:chExt cx="0" cy="0"/>
+        </a:xfrm>
+      </p:grpSpPr>
+      <p:pic>
+        <p:nvPicPr>
+          <p:cNvPr id="3" name="圖片 2">
+            <a:extLst>
+              <a:ext uri="{FF2B5EF4-FFF2-40B4-BE49-F238E27FC236}">
+                <a16:creationId xmlns:a16="http://schemas.microsoft.com/office/drawing/2014/main" id="{7B9F108C-6127-443D-AB30-F11D87C7AC52}"/>
+              </a:ext>
+            </a:extLst>
+          </p:cNvPr>
+          <p:cNvPicPr>
+            <a:picLocks noChangeAspect="1"/>
+          </p:cNvPicPr>
+          <p:nvPr/>
+        </p:nvPicPr>
+        <p:blipFill>
+          <a:blip r:embed="rId2"/>
+          <a:stretch>
+            <a:fillRect/>
+          </a:stretch>
+        </p:blipFill>
+        <p:spPr>
+          <a:xfrm>
+            <a:off x="641458" y="560895"/>
+            <a:ext cx="1645701" cy="2195856"/>
+          </a:xfrm>
+          <a:prstGeom prst="rect">
+            <a:avLst/>
+          </a:prstGeom>
+        </p:spPr>
+      </p:pic>
+    </p:spTree>
+    <p:extLst>
+      <p:ext uri="{BB962C8B-B14F-4D97-AF65-F5344CB8AC3E}">
+        <p14:creationId xmlns:p14="http://schemas.microsoft.com/office/powerpoint/2010/main" val="1452614593"/>
+      </p:ext>
+    </p:extLst>
+  </p:cSld>
+  <p:clrMapOvr>
+    <a:masterClrMapping/>
+  </p:clrMapOvr>
+</p:sld>
+</file>
+
 <file path=ppt/theme/theme1.xml><?xml version="1.0" encoding="utf-8"?>
 <a:theme xmlns:a="http://schemas.openxmlformats.org/drawingml/2006/main" name="Office 佈景主題">
   <a:themeElements>

--- a/doc/tigerbx.pptx
+++ b/doc/tigerbx.pptx
@@ -7,7 +7,7 @@
   <p:sldIdLst>
     <p:sldId id="258" r:id="rId2"/>
     <p:sldId id="259" r:id="rId3"/>
-    <p:sldId id="260" r:id="rId4"/>
+    <p:sldId id="261" r:id="rId4"/>
   </p:sldIdLst>
   <p:sldSz cx="6400800" cy="3600450"/>
   <p:notesSz cx="6858000" cy="9144000"/>
@@ -245,7 +245,7 @@
           <a:p>
             <a:fld id="{AA3CA822-DBEB-4A3F-9FDF-13FC8C18718D}" type="datetimeFigureOut">
               <a:rPr lang="zh-TW" altLang="en-US" smtClean="0"/>
-              <a:t>2024/1/21</a:t>
+              <a:t>2024/1/22</a:t>
             </a:fld>
             <a:endParaRPr lang="zh-TW" altLang="en-US"/>
           </a:p>
@@ -415,7 +415,7 @@
           <a:p>
             <a:fld id="{AA3CA822-DBEB-4A3F-9FDF-13FC8C18718D}" type="datetimeFigureOut">
               <a:rPr lang="zh-TW" altLang="en-US" smtClean="0"/>
-              <a:t>2024/1/21</a:t>
+              <a:t>2024/1/22</a:t>
             </a:fld>
             <a:endParaRPr lang="zh-TW" altLang="en-US"/>
           </a:p>
@@ -595,7 +595,7 @@
           <a:p>
             <a:fld id="{AA3CA822-DBEB-4A3F-9FDF-13FC8C18718D}" type="datetimeFigureOut">
               <a:rPr lang="zh-TW" altLang="en-US" smtClean="0"/>
-              <a:t>2024/1/21</a:t>
+              <a:t>2024/1/22</a:t>
             </a:fld>
             <a:endParaRPr lang="zh-TW" altLang="en-US"/>
           </a:p>
@@ -765,7 +765,7 @@
           <a:p>
             <a:fld id="{AA3CA822-DBEB-4A3F-9FDF-13FC8C18718D}" type="datetimeFigureOut">
               <a:rPr lang="zh-TW" altLang="en-US" smtClean="0"/>
-              <a:t>2024/1/21</a:t>
+              <a:t>2024/1/22</a:t>
             </a:fld>
             <a:endParaRPr lang="zh-TW" altLang="en-US"/>
           </a:p>
@@ -1011,7 +1011,7 @@
           <a:p>
             <a:fld id="{AA3CA822-DBEB-4A3F-9FDF-13FC8C18718D}" type="datetimeFigureOut">
               <a:rPr lang="zh-TW" altLang="en-US" smtClean="0"/>
-              <a:t>2024/1/21</a:t>
+              <a:t>2024/1/22</a:t>
             </a:fld>
             <a:endParaRPr lang="zh-TW" altLang="en-US"/>
           </a:p>
@@ -1243,7 +1243,7 @@
           <a:p>
             <a:fld id="{AA3CA822-DBEB-4A3F-9FDF-13FC8C18718D}" type="datetimeFigureOut">
               <a:rPr lang="zh-TW" altLang="en-US" smtClean="0"/>
-              <a:t>2024/1/21</a:t>
+              <a:t>2024/1/22</a:t>
             </a:fld>
             <a:endParaRPr lang="zh-TW" altLang="en-US"/>
           </a:p>
@@ -1610,7 +1610,7 @@
           <a:p>
             <a:fld id="{AA3CA822-DBEB-4A3F-9FDF-13FC8C18718D}" type="datetimeFigureOut">
               <a:rPr lang="zh-TW" altLang="en-US" smtClean="0"/>
-              <a:t>2024/1/21</a:t>
+              <a:t>2024/1/22</a:t>
             </a:fld>
             <a:endParaRPr lang="zh-TW" altLang="en-US"/>
           </a:p>
@@ -1728,7 +1728,7 @@
           <a:p>
             <a:fld id="{AA3CA822-DBEB-4A3F-9FDF-13FC8C18718D}" type="datetimeFigureOut">
               <a:rPr lang="zh-TW" altLang="en-US" smtClean="0"/>
-              <a:t>2024/1/21</a:t>
+              <a:t>2024/1/22</a:t>
             </a:fld>
             <a:endParaRPr lang="zh-TW" altLang="en-US"/>
           </a:p>
@@ -1823,7 +1823,7 @@
           <a:p>
             <a:fld id="{AA3CA822-DBEB-4A3F-9FDF-13FC8C18718D}" type="datetimeFigureOut">
               <a:rPr lang="zh-TW" altLang="en-US" smtClean="0"/>
-              <a:t>2024/1/21</a:t>
+              <a:t>2024/1/22</a:t>
             </a:fld>
             <a:endParaRPr lang="zh-TW" altLang="en-US"/>
           </a:p>
@@ -2100,7 +2100,7 @@
           <a:p>
             <a:fld id="{AA3CA822-DBEB-4A3F-9FDF-13FC8C18718D}" type="datetimeFigureOut">
               <a:rPr lang="zh-TW" altLang="en-US" smtClean="0"/>
-              <a:t>2024/1/21</a:t>
+              <a:t>2024/1/22</a:t>
             </a:fld>
             <a:endParaRPr lang="zh-TW" altLang="en-US"/>
           </a:p>
@@ -2357,7 +2357,7 @@
           <a:p>
             <a:fld id="{AA3CA822-DBEB-4A3F-9FDF-13FC8C18718D}" type="datetimeFigureOut">
               <a:rPr lang="zh-TW" altLang="en-US" smtClean="0"/>
-              <a:t>2024/1/21</a:t>
+              <a:t>2024/1/22</a:t>
             </a:fld>
             <a:endParaRPr lang="zh-TW" altLang="en-US"/>
           </a:p>
@@ -2570,7 +2570,7 @@
           <a:p>
             <a:fld id="{AA3CA822-DBEB-4A3F-9FDF-13FC8C18718D}" type="datetimeFigureOut">
               <a:rPr lang="zh-TW" altLang="en-US" smtClean="0"/>
-              <a:t>2024/1/21</a:t>
+              <a:t>2024/1/22</a:t>
             </a:fld>
             <a:endParaRPr lang="zh-TW" altLang="en-US"/>
           </a:p>
@@ -3322,6 +3322,140 @@
           </a:prstGeom>
         </p:spPr>
       </p:pic>
+      <p:pic>
+        <p:nvPicPr>
+          <p:cNvPr id="10" name="圖片 9">
+            <a:extLst>
+              <a:ext uri="{FF2B5EF4-FFF2-40B4-BE49-F238E27FC236}">
+                <a16:creationId xmlns:a16="http://schemas.microsoft.com/office/drawing/2014/main" id="{657819F0-D7F4-4504-9D0A-36FEE860DFEA}"/>
+              </a:ext>
+            </a:extLst>
+          </p:cNvPr>
+          <p:cNvPicPr>
+            <a:picLocks/>
+          </p:cNvPicPr>
+          <p:nvPr/>
+        </p:nvPicPr>
+        <p:blipFill>
+          <a:blip r:embed="rId10"/>
+          <a:stretch>
+            <a:fillRect/>
+          </a:stretch>
+        </p:blipFill>
+        <p:spPr>
+          <a:xfrm>
+            <a:off x="135263" y="3460003"/>
+            <a:ext cx="1710000" cy="1620000"/>
+          </a:xfrm>
+          <a:prstGeom prst="rect">
+            <a:avLst/>
+          </a:prstGeom>
+        </p:spPr>
+      </p:pic>
+      <p:grpSp>
+        <p:nvGrpSpPr>
+          <p:cNvPr id="12" name="群組 11">
+            <a:extLst>
+              <a:ext uri="{FF2B5EF4-FFF2-40B4-BE49-F238E27FC236}">
+                <a16:creationId xmlns:a16="http://schemas.microsoft.com/office/drawing/2014/main" id="{9E1CB383-2DFE-444B-BE02-02A23AD99845}"/>
+              </a:ext>
+            </a:extLst>
+          </p:cNvPr>
+          <p:cNvGrpSpPr/>
+          <p:nvPr/>
+        </p:nvGrpSpPr>
+        <p:grpSpPr>
+          <a:xfrm>
+            <a:off x="1867137" y="3468768"/>
+            <a:ext cx="1692000" cy="1620000"/>
+            <a:chOff x="1658399" y="437332"/>
+            <a:chExt cx="1710000" cy="1620000"/>
+          </a:xfrm>
+        </p:grpSpPr>
+        <p:sp>
+          <p:nvSpPr>
+            <p:cNvPr id="14" name="矩形 13">
+              <a:extLst>
+                <a:ext uri="{FF2B5EF4-FFF2-40B4-BE49-F238E27FC236}">
+                  <a16:creationId xmlns:a16="http://schemas.microsoft.com/office/drawing/2014/main" id="{A81A4B00-F6AA-416D-9F1D-9207FD5942A1}"/>
+                </a:ext>
+              </a:extLst>
+            </p:cNvPr>
+            <p:cNvSpPr/>
+            <p:nvPr/>
+          </p:nvSpPr>
+          <p:spPr>
+            <a:xfrm>
+              <a:off x="1658399" y="437332"/>
+              <a:ext cx="1710000" cy="1620000"/>
+            </a:xfrm>
+            <a:prstGeom prst="rect">
+              <a:avLst/>
+            </a:prstGeom>
+            <a:solidFill>
+              <a:schemeClr val="tx1"/>
+            </a:solidFill>
+            <a:ln>
+              <a:solidFill>
+                <a:schemeClr val="tx1"/>
+              </a:solidFill>
+            </a:ln>
+          </p:spPr>
+          <p:style>
+            <a:lnRef idx="2">
+              <a:schemeClr val="accent1">
+                <a:shade val="50000"/>
+              </a:schemeClr>
+            </a:lnRef>
+            <a:fillRef idx="1">
+              <a:schemeClr val="accent1"/>
+            </a:fillRef>
+            <a:effectRef idx="0">
+              <a:schemeClr val="accent1"/>
+            </a:effectRef>
+            <a:fontRef idx="minor">
+              <a:schemeClr val="lt1"/>
+            </a:fontRef>
+          </p:style>
+          <p:txBody>
+            <a:bodyPr rtlCol="0" anchor="ctr"/>
+            <a:lstStyle/>
+            <a:p>
+              <a:pPr algn="ctr"/>
+              <a:endParaRPr lang="zh-TW" altLang="en-US"/>
+            </a:p>
+          </p:txBody>
+        </p:sp>
+        <p:pic>
+          <p:nvPicPr>
+            <p:cNvPr id="16" name="圖片 15">
+              <a:extLst>
+                <a:ext uri="{FF2B5EF4-FFF2-40B4-BE49-F238E27FC236}">
+                  <a16:creationId xmlns:a16="http://schemas.microsoft.com/office/drawing/2014/main" id="{AC88B7B8-BB5A-4693-A5F4-749AF2B9D214}"/>
+                </a:ext>
+              </a:extLst>
+            </p:cNvPr>
+            <p:cNvPicPr>
+              <a:picLocks noChangeAspect="1"/>
+            </p:cNvPicPr>
+            <p:nvPr/>
+          </p:nvPicPr>
+          <p:blipFill rotWithShape="1">
+            <a:blip r:embed="rId11"/>
+            <a:srcRect t="12403" b="6484"/>
+            <a:stretch/>
+          </p:blipFill>
+          <p:spPr>
+            <a:xfrm>
+              <a:off x="1851209" y="500267"/>
+              <a:ext cx="1365070" cy="1477389"/>
+            </a:xfrm>
+            <a:prstGeom prst="rect">
+              <a:avLst/>
+            </a:prstGeom>
+          </p:spPr>
+        </p:pic>
+      </p:grpSp>
     </p:spTree>
     <p:extLst>
       <p:ext uri="{BB962C8B-B14F-4D97-AF65-F5344CB8AC3E}">
@@ -3352,12 +3486,66 @@
           <a:chExt cx="0" cy="0"/>
         </a:xfrm>
       </p:grpSpPr>
+      <p:sp>
+        <p:nvSpPr>
+          <p:cNvPr id="6" name="矩形 5">
+            <a:extLst>
+              <a:ext uri="{FF2B5EF4-FFF2-40B4-BE49-F238E27FC236}">
+                <a16:creationId xmlns:a16="http://schemas.microsoft.com/office/drawing/2014/main" id="{9620A7C4-7A64-4D3A-A613-446A83B00C97}"/>
+              </a:ext>
+            </a:extLst>
+          </p:cNvPr>
+          <p:cNvSpPr/>
+          <p:nvPr/>
+        </p:nvSpPr>
+        <p:spPr>
+          <a:xfrm>
+            <a:off x="0" y="-627232"/>
+            <a:ext cx="6826720" cy="4835024"/>
+          </a:xfrm>
+          <a:prstGeom prst="rect">
+            <a:avLst/>
+          </a:prstGeom>
+          <a:solidFill>
+            <a:schemeClr val="tx1"/>
+          </a:solidFill>
+          <a:ln>
+            <a:solidFill>
+              <a:schemeClr val="tx1"/>
+            </a:solidFill>
+          </a:ln>
+        </p:spPr>
+        <p:style>
+          <a:lnRef idx="2">
+            <a:schemeClr val="accent1">
+              <a:shade val="50000"/>
+            </a:schemeClr>
+          </a:lnRef>
+          <a:fillRef idx="1">
+            <a:schemeClr val="accent1"/>
+          </a:fillRef>
+          <a:effectRef idx="0">
+            <a:schemeClr val="accent1"/>
+          </a:effectRef>
+          <a:fontRef idx="minor">
+            <a:schemeClr val="lt1"/>
+          </a:fontRef>
+        </p:style>
+        <p:txBody>
+          <a:bodyPr rtlCol="0" anchor="ctr"/>
+          <a:lstStyle/>
+          <a:p>
+            <a:pPr algn="ctr"/>
+            <a:endParaRPr lang="zh-TW" altLang="en-US"/>
+          </a:p>
+        </p:txBody>
+      </p:sp>
       <p:pic>
         <p:nvPicPr>
           <p:cNvPr id="3" name="圖片 2">
             <a:extLst>
               <a:ext uri="{FF2B5EF4-FFF2-40B4-BE49-F238E27FC236}">
-                <a16:creationId xmlns:a16="http://schemas.microsoft.com/office/drawing/2014/main" id="{7B9F108C-6127-443D-AB30-F11D87C7AC52}"/>
+                <a16:creationId xmlns:a16="http://schemas.microsoft.com/office/drawing/2014/main" id="{3234E6C0-0C19-448C-9A7C-9967C6FC90A2}"/>
               </a:ext>
             </a:extLst>
           </p:cNvPr>
@@ -3367,15 +3555,393 @@
           <p:nvPr/>
         </p:nvPicPr>
         <p:blipFill>
-          <a:blip r:embed="rId2"/>
+          <a:blip r:embed="rId2">
+            <a:extLst>
+              <a:ext uri="{28A0092B-C50C-407E-A947-70E740481C1C}">
+                <a14:useLocalDpi xmlns:a14="http://schemas.microsoft.com/office/drawing/2010/main" val="0"/>
+              </a:ext>
+            </a:extLst>
+          </a:blip>
           <a:stretch>
             <a:fillRect/>
           </a:stretch>
         </p:blipFill>
         <p:spPr>
           <a:xfrm>
-            <a:off x="641458" y="560895"/>
-            <a:ext cx="1645701" cy="2195856"/>
+            <a:off x="1705988" y="-627232"/>
+            <a:ext cx="1708554" cy="1620000"/>
+          </a:xfrm>
+          <a:prstGeom prst="rect">
+            <a:avLst/>
+          </a:prstGeom>
+        </p:spPr>
+      </p:pic>
+      <p:pic>
+        <p:nvPicPr>
+          <p:cNvPr id="5" name="圖片 4">
+            <a:extLst>
+              <a:ext uri="{FF2B5EF4-FFF2-40B4-BE49-F238E27FC236}">
+                <a16:creationId xmlns:a16="http://schemas.microsoft.com/office/drawing/2014/main" id="{8AD2DC2A-A338-4D53-8EEC-1D107CB55C96}"/>
+              </a:ext>
+            </a:extLst>
+          </p:cNvPr>
+          <p:cNvPicPr>
+            <a:picLocks noChangeAspect="1"/>
+          </p:cNvPicPr>
+          <p:nvPr/>
+        </p:nvPicPr>
+        <p:blipFill>
+          <a:blip r:embed="rId3">
+            <a:extLst>
+              <a:ext uri="{28A0092B-C50C-407E-A947-70E740481C1C}">
+                <a14:useLocalDpi xmlns:a14="http://schemas.microsoft.com/office/drawing/2010/main" val="0"/>
+              </a:ext>
+            </a:extLst>
+          </a:blip>
+          <a:stretch>
+            <a:fillRect/>
+          </a:stretch>
+        </p:blipFill>
+        <p:spPr>
+          <a:xfrm>
+            <a:off x="0" y="-627232"/>
+            <a:ext cx="1708554" cy="1620000"/>
+          </a:xfrm>
+          <a:prstGeom prst="rect">
+            <a:avLst/>
+          </a:prstGeom>
+        </p:spPr>
+      </p:pic>
+      <p:pic>
+        <p:nvPicPr>
+          <p:cNvPr id="9" name="圖片 8">
+            <a:extLst>
+              <a:ext uri="{FF2B5EF4-FFF2-40B4-BE49-F238E27FC236}">
+                <a16:creationId xmlns:a16="http://schemas.microsoft.com/office/drawing/2014/main" id="{0D31DF78-D62D-473F-A148-B4C6BE8CF749}"/>
+              </a:ext>
+            </a:extLst>
+          </p:cNvPr>
+          <p:cNvPicPr>
+            <a:picLocks noChangeAspect="1"/>
+          </p:cNvPicPr>
+          <p:nvPr/>
+        </p:nvPicPr>
+        <p:blipFill>
+          <a:blip r:embed="rId4">
+            <a:extLst>
+              <a:ext uri="{28A0092B-C50C-407E-A947-70E740481C1C}">
+                <a14:useLocalDpi xmlns:a14="http://schemas.microsoft.com/office/drawing/2010/main" val="0"/>
+              </a:ext>
+            </a:extLst>
+          </a:blip>
+          <a:stretch>
+            <a:fillRect/>
+          </a:stretch>
+        </p:blipFill>
+        <p:spPr>
+          <a:xfrm>
+            <a:off x="5118166" y="-627232"/>
+            <a:ext cx="1708554" cy="1620000"/>
+          </a:xfrm>
+          <a:prstGeom prst="rect">
+            <a:avLst/>
+          </a:prstGeom>
+        </p:spPr>
+      </p:pic>
+      <p:pic>
+        <p:nvPicPr>
+          <p:cNvPr id="11" name="圖片 10">
+            <a:extLst>
+              <a:ext uri="{FF2B5EF4-FFF2-40B4-BE49-F238E27FC236}">
+                <a16:creationId xmlns:a16="http://schemas.microsoft.com/office/drawing/2014/main" id="{C159DE5D-E9F9-486C-A709-521990FC6C17}"/>
+              </a:ext>
+            </a:extLst>
+          </p:cNvPr>
+          <p:cNvPicPr>
+            <a:picLocks noChangeAspect="1"/>
+          </p:cNvPicPr>
+          <p:nvPr/>
+        </p:nvPicPr>
+        <p:blipFill>
+          <a:blip r:embed="rId5">
+            <a:extLst>
+              <a:ext uri="{28A0092B-C50C-407E-A947-70E740481C1C}">
+                <a14:useLocalDpi xmlns:a14="http://schemas.microsoft.com/office/drawing/2010/main" val="0"/>
+              </a:ext>
+            </a:extLst>
+          </a:blip>
+          <a:stretch>
+            <a:fillRect/>
+          </a:stretch>
+        </p:blipFill>
+        <p:spPr>
+          <a:xfrm>
+            <a:off x="1705989" y="990225"/>
+            <a:ext cx="1708554" cy="1620000"/>
+          </a:xfrm>
+          <a:prstGeom prst="rect">
+            <a:avLst/>
+          </a:prstGeom>
+        </p:spPr>
+      </p:pic>
+      <p:pic>
+        <p:nvPicPr>
+          <p:cNvPr id="13" name="圖片 12">
+            <a:extLst>
+              <a:ext uri="{FF2B5EF4-FFF2-40B4-BE49-F238E27FC236}">
+                <a16:creationId xmlns:a16="http://schemas.microsoft.com/office/drawing/2014/main" id="{7EEAFBCD-6992-42CD-814A-A8CE7026E67D}"/>
+              </a:ext>
+            </a:extLst>
+          </p:cNvPr>
+          <p:cNvPicPr>
+            <a:picLocks noChangeAspect="1"/>
+          </p:cNvPicPr>
+          <p:nvPr/>
+        </p:nvPicPr>
+        <p:blipFill>
+          <a:blip r:embed="rId6">
+            <a:extLst>
+              <a:ext uri="{28A0092B-C50C-407E-A947-70E740481C1C}">
+                <a14:useLocalDpi xmlns:a14="http://schemas.microsoft.com/office/drawing/2010/main" val="0"/>
+              </a:ext>
+            </a:extLst>
+          </a:blip>
+          <a:stretch>
+            <a:fillRect/>
+          </a:stretch>
+        </p:blipFill>
+        <p:spPr>
+          <a:xfrm>
+            <a:off x="0" y="990225"/>
+            <a:ext cx="1708554" cy="1620000"/>
+          </a:xfrm>
+          <a:prstGeom prst="rect">
+            <a:avLst/>
+          </a:prstGeom>
+        </p:spPr>
+      </p:pic>
+      <p:pic>
+        <p:nvPicPr>
+          <p:cNvPr id="15" name="圖片 14">
+            <a:extLst>
+              <a:ext uri="{FF2B5EF4-FFF2-40B4-BE49-F238E27FC236}">
+                <a16:creationId xmlns:a16="http://schemas.microsoft.com/office/drawing/2014/main" id="{881CDAF7-A10D-402C-A763-03B772216D6D}"/>
+              </a:ext>
+            </a:extLst>
+          </p:cNvPr>
+          <p:cNvPicPr>
+            <a:picLocks noChangeAspect="1"/>
+          </p:cNvPicPr>
+          <p:nvPr/>
+        </p:nvPicPr>
+        <p:blipFill>
+          <a:blip r:embed="rId7">
+            <a:extLst>
+              <a:ext uri="{28A0092B-C50C-407E-A947-70E740481C1C}">
+                <a14:useLocalDpi xmlns:a14="http://schemas.microsoft.com/office/drawing/2010/main" val="0"/>
+              </a:ext>
+            </a:extLst>
+          </a:blip>
+          <a:stretch>
+            <a:fillRect/>
+          </a:stretch>
+        </p:blipFill>
+        <p:spPr>
+          <a:xfrm>
+            <a:off x="3415050" y="990225"/>
+            <a:ext cx="1708554" cy="1620000"/>
+          </a:xfrm>
+          <a:prstGeom prst="rect">
+            <a:avLst/>
+          </a:prstGeom>
+        </p:spPr>
+      </p:pic>
+      <p:pic>
+        <p:nvPicPr>
+          <p:cNvPr id="17" name="圖片 16">
+            <a:extLst>
+              <a:ext uri="{FF2B5EF4-FFF2-40B4-BE49-F238E27FC236}">
+                <a16:creationId xmlns:a16="http://schemas.microsoft.com/office/drawing/2014/main" id="{76F1D1ED-8E08-416F-BF5F-0118681C6C5A}"/>
+              </a:ext>
+            </a:extLst>
+          </p:cNvPr>
+          <p:cNvPicPr>
+            <a:picLocks noChangeAspect="1"/>
+          </p:cNvPicPr>
+          <p:nvPr/>
+        </p:nvPicPr>
+        <p:blipFill>
+          <a:blip r:embed="rId8">
+            <a:extLst>
+              <a:ext uri="{28A0092B-C50C-407E-A947-70E740481C1C}">
+                <a14:useLocalDpi xmlns:a14="http://schemas.microsoft.com/office/drawing/2010/main" val="0"/>
+              </a:ext>
+            </a:extLst>
+          </a:blip>
+          <a:stretch>
+            <a:fillRect/>
+          </a:stretch>
+        </p:blipFill>
+        <p:spPr>
+          <a:xfrm>
+            <a:off x="3415048" y="-627232"/>
+            <a:ext cx="1708554" cy="1620000"/>
+          </a:xfrm>
+          <a:prstGeom prst="rect">
+            <a:avLst/>
+          </a:prstGeom>
+        </p:spPr>
+      </p:pic>
+      <p:pic>
+        <p:nvPicPr>
+          <p:cNvPr id="19" name="圖片 18">
+            <a:extLst>
+              <a:ext uri="{FF2B5EF4-FFF2-40B4-BE49-F238E27FC236}">
+                <a16:creationId xmlns:a16="http://schemas.microsoft.com/office/drawing/2014/main" id="{49E7F9AB-8FEC-4878-9420-1F7B63438449}"/>
+              </a:ext>
+            </a:extLst>
+          </p:cNvPr>
+          <p:cNvPicPr>
+            <a:picLocks noChangeAspect="1"/>
+          </p:cNvPicPr>
+          <p:nvPr/>
+        </p:nvPicPr>
+        <p:blipFill>
+          <a:blip r:embed="rId9">
+            <a:extLst>
+              <a:ext uri="{28A0092B-C50C-407E-A947-70E740481C1C}">
+                <a14:useLocalDpi xmlns:a14="http://schemas.microsoft.com/office/drawing/2010/main" val="0"/>
+              </a:ext>
+            </a:extLst>
+          </a:blip>
+          <a:stretch>
+            <a:fillRect/>
+          </a:stretch>
+        </p:blipFill>
+        <p:spPr>
+          <a:xfrm>
+            <a:off x="5118167" y="990225"/>
+            <a:ext cx="1708553" cy="1620000"/>
+          </a:xfrm>
+          <a:prstGeom prst="rect">
+            <a:avLst/>
+          </a:prstGeom>
+        </p:spPr>
+      </p:pic>
+      <p:pic>
+        <p:nvPicPr>
+          <p:cNvPr id="10" name="圖片 9">
+            <a:extLst>
+              <a:ext uri="{FF2B5EF4-FFF2-40B4-BE49-F238E27FC236}">
+                <a16:creationId xmlns:a16="http://schemas.microsoft.com/office/drawing/2014/main" id="{657819F0-D7F4-4504-9D0A-36FEE860DFEA}"/>
+              </a:ext>
+            </a:extLst>
+          </p:cNvPr>
+          <p:cNvPicPr>
+            <a:picLocks/>
+          </p:cNvPicPr>
+          <p:nvPr/>
+        </p:nvPicPr>
+        <p:blipFill>
+          <a:blip r:embed="rId10"/>
+          <a:stretch>
+            <a:fillRect/>
+          </a:stretch>
+        </p:blipFill>
+        <p:spPr>
+          <a:xfrm>
+            <a:off x="1794812" y="2591285"/>
+            <a:ext cx="1710000" cy="1620000"/>
+          </a:xfrm>
+          <a:prstGeom prst="rect">
+            <a:avLst/>
+          </a:prstGeom>
+        </p:spPr>
+      </p:pic>
+      <p:pic>
+        <p:nvPicPr>
+          <p:cNvPr id="22" name="圖片 21">
+            <a:extLst>
+              <a:ext uri="{FF2B5EF4-FFF2-40B4-BE49-F238E27FC236}">
+                <a16:creationId xmlns:a16="http://schemas.microsoft.com/office/drawing/2014/main" id="{17D47684-BEA1-4F6F-A959-A99BEC18E484}"/>
+              </a:ext>
+            </a:extLst>
+          </p:cNvPr>
+          <p:cNvPicPr>
+            <a:picLocks noChangeAspect="1"/>
+          </p:cNvPicPr>
+          <p:nvPr/>
+        </p:nvPicPr>
+        <p:blipFill>
+          <a:blip r:embed="rId11"/>
+          <a:stretch>
+            <a:fillRect/>
+          </a:stretch>
+        </p:blipFill>
+        <p:spPr>
+          <a:xfrm>
+            <a:off x="3504813" y="2592913"/>
+            <a:ext cx="1715051" cy="1620000"/>
+          </a:xfrm>
+          <a:prstGeom prst="rect">
+            <a:avLst/>
+          </a:prstGeom>
+        </p:spPr>
+      </p:pic>
+      <p:pic>
+        <p:nvPicPr>
+          <p:cNvPr id="23" name="圖片 22">
+            <a:extLst>
+              <a:ext uri="{FF2B5EF4-FFF2-40B4-BE49-F238E27FC236}">
+                <a16:creationId xmlns:a16="http://schemas.microsoft.com/office/drawing/2014/main" id="{8A437216-E2AB-4FC3-A644-C8D6C982BD41}"/>
+              </a:ext>
+            </a:extLst>
+          </p:cNvPr>
+          <p:cNvPicPr>
+            <a:picLocks noChangeAspect="1"/>
+          </p:cNvPicPr>
+          <p:nvPr/>
+        </p:nvPicPr>
+        <p:blipFill>
+          <a:blip r:embed="rId12"/>
+          <a:stretch>
+            <a:fillRect/>
+          </a:stretch>
+        </p:blipFill>
+        <p:spPr>
+          <a:xfrm>
+            <a:off x="5211842" y="2592914"/>
+            <a:ext cx="1614878" cy="1614878"/>
+          </a:xfrm>
+          <a:prstGeom prst="rect">
+            <a:avLst/>
+          </a:prstGeom>
+        </p:spPr>
+      </p:pic>
+      <p:pic>
+        <p:nvPicPr>
+          <p:cNvPr id="25" name="圖片 24">
+            <a:extLst>
+              <a:ext uri="{FF2B5EF4-FFF2-40B4-BE49-F238E27FC236}">
+                <a16:creationId xmlns:a16="http://schemas.microsoft.com/office/drawing/2014/main" id="{7C64CAB2-EDE9-4A74-B7AB-412CF1BFBEF5}"/>
+              </a:ext>
+            </a:extLst>
+          </p:cNvPr>
+          <p:cNvPicPr>
+            <a:picLocks noChangeAspect="1"/>
+          </p:cNvPicPr>
+          <p:nvPr/>
+        </p:nvPicPr>
+        <p:blipFill>
+          <a:blip r:embed="rId13"/>
+          <a:stretch>
+            <a:fillRect/>
+          </a:stretch>
+        </p:blipFill>
+        <p:spPr>
+          <a:xfrm>
+            <a:off x="-671" y="2589657"/>
+            <a:ext cx="1815215" cy="1618135"/>
           </a:xfrm>
           <a:prstGeom prst="rect">
             <a:avLst/>
@@ -3385,7 +3951,7 @@
     </p:spTree>
     <p:extLst>
       <p:ext uri="{BB962C8B-B14F-4D97-AF65-F5344CB8AC3E}">
-        <p14:creationId xmlns:p14="http://schemas.microsoft.com/office/powerpoint/2010/main" val="1452614593"/>
+        <p14:creationId xmlns:p14="http://schemas.microsoft.com/office/powerpoint/2010/main" val="749831733"/>
       </p:ext>
     </p:extLst>
   </p:cSld>

--- a/doc/tigerbx.pptx
+++ b/doc/tigerbx.pptx
@@ -7,6 +7,7 @@
   <p:sldIdLst>
     <p:sldId id="258" r:id="rId2"/>
     <p:sldId id="259" r:id="rId3"/>
+    <p:sldId id="261" r:id="rId4"/>
   </p:sldIdLst>
   <p:sldSz cx="6400800" cy="3600450"/>
   <p:notesSz cx="6858000" cy="9144000"/>
@@ -244,7 +245,7 @@
           <a:p>
             <a:fld id="{AA3CA822-DBEB-4A3F-9FDF-13FC8C18718D}" type="datetimeFigureOut">
               <a:rPr lang="zh-TW" altLang="en-US" smtClean="0"/>
-              <a:t>2023/1/14</a:t>
+              <a:t>2024/1/22</a:t>
             </a:fld>
             <a:endParaRPr lang="zh-TW" altLang="en-US"/>
           </a:p>
@@ -414,7 +415,7 @@
           <a:p>
             <a:fld id="{AA3CA822-DBEB-4A3F-9FDF-13FC8C18718D}" type="datetimeFigureOut">
               <a:rPr lang="zh-TW" altLang="en-US" smtClean="0"/>
-              <a:t>2023/1/14</a:t>
+              <a:t>2024/1/22</a:t>
             </a:fld>
             <a:endParaRPr lang="zh-TW" altLang="en-US"/>
           </a:p>
@@ -594,7 +595,7 @@
           <a:p>
             <a:fld id="{AA3CA822-DBEB-4A3F-9FDF-13FC8C18718D}" type="datetimeFigureOut">
               <a:rPr lang="zh-TW" altLang="en-US" smtClean="0"/>
-              <a:t>2023/1/14</a:t>
+              <a:t>2024/1/22</a:t>
             </a:fld>
             <a:endParaRPr lang="zh-TW" altLang="en-US"/>
           </a:p>
@@ -764,7 +765,7 @@
           <a:p>
             <a:fld id="{AA3CA822-DBEB-4A3F-9FDF-13FC8C18718D}" type="datetimeFigureOut">
               <a:rPr lang="zh-TW" altLang="en-US" smtClean="0"/>
-              <a:t>2023/1/14</a:t>
+              <a:t>2024/1/22</a:t>
             </a:fld>
             <a:endParaRPr lang="zh-TW" altLang="en-US"/>
           </a:p>
@@ -1010,7 +1011,7 @@
           <a:p>
             <a:fld id="{AA3CA822-DBEB-4A3F-9FDF-13FC8C18718D}" type="datetimeFigureOut">
               <a:rPr lang="zh-TW" altLang="en-US" smtClean="0"/>
-              <a:t>2023/1/14</a:t>
+              <a:t>2024/1/22</a:t>
             </a:fld>
             <a:endParaRPr lang="zh-TW" altLang="en-US"/>
           </a:p>
@@ -1242,7 +1243,7 @@
           <a:p>
             <a:fld id="{AA3CA822-DBEB-4A3F-9FDF-13FC8C18718D}" type="datetimeFigureOut">
               <a:rPr lang="zh-TW" altLang="en-US" smtClean="0"/>
-              <a:t>2023/1/14</a:t>
+              <a:t>2024/1/22</a:t>
             </a:fld>
             <a:endParaRPr lang="zh-TW" altLang="en-US"/>
           </a:p>
@@ -1609,7 +1610,7 @@
           <a:p>
             <a:fld id="{AA3CA822-DBEB-4A3F-9FDF-13FC8C18718D}" type="datetimeFigureOut">
               <a:rPr lang="zh-TW" altLang="en-US" smtClean="0"/>
-              <a:t>2023/1/14</a:t>
+              <a:t>2024/1/22</a:t>
             </a:fld>
             <a:endParaRPr lang="zh-TW" altLang="en-US"/>
           </a:p>
@@ -1727,7 +1728,7 @@
           <a:p>
             <a:fld id="{AA3CA822-DBEB-4A3F-9FDF-13FC8C18718D}" type="datetimeFigureOut">
               <a:rPr lang="zh-TW" altLang="en-US" smtClean="0"/>
-              <a:t>2023/1/14</a:t>
+              <a:t>2024/1/22</a:t>
             </a:fld>
             <a:endParaRPr lang="zh-TW" altLang="en-US"/>
           </a:p>
@@ -1822,7 +1823,7 @@
           <a:p>
             <a:fld id="{AA3CA822-DBEB-4A3F-9FDF-13FC8C18718D}" type="datetimeFigureOut">
               <a:rPr lang="zh-TW" altLang="en-US" smtClean="0"/>
-              <a:t>2023/1/14</a:t>
+              <a:t>2024/1/22</a:t>
             </a:fld>
             <a:endParaRPr lang="zh-TW" altLang="en-US"/>
           </a:p>
@@ -2099,7 +2100,7 @@
           <a:p>
             <a:fld id="{AA3CA822-DBEB-4A3F-9FDF-13FC8C18718D}" type="datetimeFigureOut">
               <a:rPr lang="zh-TW" altLang="en-US" smtClean="0"/>
-              <a:t>2023/1/14</a:t>
+              <a:t>2024/1/22</a:t>
             </a:fld>
             <a:endParaRPr lang="zh-TW" altLang="en-US"/>
           </a:p>
@@ -2356,7 +2357,7 @@
           <a:p>
             <a:fld id="{AA3CA822-DBEB-4A3F-9FDF-13FC8C18718D}" type="datetimeFigureOut">
               <a:rPr lang="zh-TW" altLang="en-US" smtClean="0"/>
-              <a:t>2023/1/14</a:t>
+              <a:t>2024/1/22</a:t>
             </a:fld>
             <a:endParaRPr lang="zh-TW" altLang="en-US"/>
           </a:p>
@@ -2569,7 +2570,7 @@
           <a:p>
             <a:fld id="{AA3CA822-DBEB-4A3F-9FDF-13FC8C18718D}" type="datetimeFigureOut">
               <a:rPr lang="zh-TW" altLang="en-US" smtClean="0"/>
-              <a:t>2023/1/14</a:t>
+              <a:t>2024/1/22</a:t>
             </a:fld>
             <a:endParaRPr lang="zh-TW" altLang="en-US"/>
           </a:p>
@@ -3321,10 +3322,636 @@
           </a:prstGeom>
         </p:spPr>
       </p:pic>
+      <p:pic>
+        <p:nvPicPr>
+          <p:cNvPr id="10" name="圖片 9">
+            <a:extLst>
+              <a:ext uri="{FF2B5EF4-FFF2-40B4-BE49-F238E27FC236}">
+                <a16:creationId xmlns:a16="http://schemas.microsoft.com/office/drawing/2014/main" id="{657819F0-D7F4-4504-9D0A-36FEE860DFEA}"/>
+              </a:ext>
+            </a:extLst>
+          </p:cNvPr>
+          <p:cNvPicPr>
+            <a:picLocks/>
+          </p:cNvPicPr>
+          <p:nvPr/>
+        </p:nvPicPr>
+        <p:blipFill>
+          <a:blip r:embed="rId10"/>
+          <a:stretch>
+            <a:fillRect/>
+          </a:stretch>
+        </p:blipFill>
+        <p:spPr>
+          <a:xfrm>
+            <a:off x="135263" y="3460003"/>
+            <a:ext cx="1710000" cy="1620000"/>
+          </a:xfrm>
+          <a:prstGeom prst="rect">
+            <a:avLst/>
+          </a:prstGeom>
+        </p:spPr>
+      </p:pic>
+      <p:grpSp>
+        <p:nvGrpSpPr>
+          <p:cNvPr id="12" name="群組 11">
+            <a:extLst>
+              <a:ext uri="{FF2B5EF4-FFF2-40B4-BE49-F238E27FC236}">
+                <a16:creationId xmlns:a16="http://schemas.microsoft.com/office/drawing/2014/main" id="{9E1CB383-2DFE-444B-BE02-02A23AD99845}"/>
+              </a:ext>
+            </a:extLst>
+          </p:cNvPr>
+          <p:cNvGrpSpPr/>
+          <p:nvPr/>
+        </p:nvGrpSpPr>
+        <p:grpSpPr>
+          <a:xfrm>
+            <a:off x="1867137" y="3468768"/>
+            <a:ext cx="1692000" cy="1620000"/>
+            <a:chOff x="1658399" y="437332"/>
+            <a:chExt cx="1710000" cy="1620000"/>
+          </a:xfrm>
+        </p:grpSpPr>
+        <p:sp>
+          <p:nvSpPr>
+            <p:cNvPr id="14" name="矩形 13">
+              <a:extLst>
+                <a:ext uri="{FF2B5EF4-FFF2-40B4-BE49-F238E27FC236}">
+                  <a16:creationId xmlns:a16="http://schemas.microsoft.com/office/drawing/2014/main" id="{A81A4B00-F6AA-416D-9F1D-9207FD5942A1}"/>
+                </a:ext>
+              </a:extLst>
+            </p:cNvPr>
+            <p:cNvSpPr/>
+            <p:nvPr/>
+          </p:nvSpPr>
+          <p:spPr>
+            <a:xfrm>
+              <a:off x="1658399" y="437332"/>
+              <a:ext cx="1710000" cy="1620000"/>
+            </a:xfrm>
+            <a:prstGeom prst="rect">
+              <a:avLst/>
+            </a:prstGeom>
+            <a:solidFill>
+              <a:schemeClr val="tx1"/>
+            </a:solidFill>
+            <a:ln>
+              <a:solidFill>
+                <a:schemeClr val="tx1"/>
+              </a:solidFill>
+            </a:ln>
+          </p:spPr>
+          <p:style>
+            <a:lnRef idx="2">
+              <a:schemeClr val="accent1">
+                <a:shade val="50000"/>
+              </a:schemeClr>
+            </a:lnRef>
+            <a:fillRef idx="1">
+              <a:schemeClr val="accent1"/>
+            </a:fillRef>
+            <a:effectRef idx="0">
+              <a:schemeClr val="accent1"/>
+            </a:effectRef>
+            <a:fontRef idx="minor">
+              <a:schemeClr val="lt1"/>
+            </a:fontRef>
+          </p:style>
+          <p:txBody>
+            <a:bodyPr rtlCol="0" anchor="ctr"/>
+            <a:lstStyle/>
+            <a:p>
+              <a:pPr algn="ctr"/>
+              <a:endParaRPr lang="zh-TW" altLang="en-US"/>
+            </a:p>
+          </p:txBody>
+        </p:sp>
+        <p:pic>
+          <p:nvPicPr>
+            <p:cNvPr id="16" name="圖片 15">
+              <a:extLst>
+                <a:ext uri="{FF2B5EF4-FFF2-40B4-BE49-F238E27FC236}">
+                  <a16:creationId xmlns:a16="http://schemas.microsoft.com/office/drawing/2014/main" id="{AC88B7B8-BB5A-4693-A5F4-749AF2B9D214}"/>
+                </a:ext>
+              </a:extLst>
+            </p:cNvPr>
+            <p:cNvPicPr>
+              <a:picLocks noChangeAspect="1"/>
+            </p:cNvPicPr>
+            <p:nvPr/>
+          </p:nvPicPr>
+          <p:blipFill rotWithShape="1">
+            <a:blip r:embed="rId11"/>
+            <a:srcRect t="12403" b="6484"/>
+            <a:stretch/>
+          </p:blipFill>
+          <p:spPr>
+            <a:xfrm>
+              <a:off x="1851209" y="500267"/>
+              <a:ext cx="1365070" cy="1477389"/>
+            </a:xfrm>
+            <a:prstGeom prst="rect">
+              <a:avLst/>
+            </a:prstGeom>
+          </p:spPr>
+        </p:pic>
+      </p:grpSp>
     </p:spTree>
     <p:extLst>
       <p:ext uri="{BB962C8B-B14F-4D97-AF65-F5344CB8AC3E}">
         <p14:creationId xmlns:p14="http://schemas.microsoft.com/office/powerpoint/2010/main" val="2070053589"/>
+      </p:ext>
+    </p:extLst>
+  </p:cSld>
+  <p:clrMapOvr>
+    <a:masterClrMapping/>
+  </p:clrMapOvr>
+</p:sld>
+</file>
+
+<file path=ppt/slides/slide3.xml><?xml version="1.0" encoding="utf-8"?>
+<p:sld xmlns:a="http://schemas.openxmlformats.org/drawingml/2006/main" xmlns:r="http://schemas.openxmlformats.org/officeDocument/2006/relationships" xmlns:p="http://schemas.openxmlformats.org/presentationml/2006/main">
+  <p:cSld>
+    <p:spTree>
+      <p:nvGrpSpPr>
+        <p:cNvPr id="1" name=""/>
+        <p:cNvGrpSpPr/>
+        <p:nvPr/>
+      </p:nvGrpSpPr>
+      <p:grpSpPr>
+        <a:xfrm>
+          <a:off x="0" y="0"/>
+          <a:ext cx="0" cy="0"/>
+          <a:chOff x="0" y="0"/>
+          <a:chExt cx="0" cy="0"/>
+        </a:xfrm>
+      </p:grpSpPr>
+      <p:sp>
+        <p:nvSpPr>
+          <p:cNvPr id="6" name="矩形 5">
+            <a:extLst>
+              <a:ext uri="{FF2B5EF4-FFF2-40B4-BE49-F238E27FC236}">
+                <a16:creationId xmlns:a16="http://schemas.microsoft.com/office/drawing/2014/main" id="{9620A7C4-7A64-4D3A-A613-446A83B00C97}"/>
+              </a:ext>
+            </a:extLst>
+          </p:cNvPr>
+          <p:cNvSpPr/>
+          <p:nvPr/>
+        </p:nvSpPr>
+        <p:spPr>
+          <a:xfrm>
+            <a:off x="0" y="-627232"/>
+            <a:ext cx="6826720" cy="4835024"/>
+          </a:xfrm>
+          <a:prstGeom prst="rect">
+            <a:avLst/>
+          </a:prstGeom>
+          <a:solidFill>
+            <a:schemeClr val="tx1"/>
+          </a:solidFill>
+          <a:ln>
+            <a:solidFill>
+              <a:schemeClr val="tx1"/>
+            </a:solidFill>
+          </a:ln>
+        </p:spPr>
+        <p:style>
+          <a:lnRef idx="2">
+            <a:schemeClr val="accent1">
+              <a:shade val="50000"/>
+            </a:schemeClr>
+          </a:lnRef>
+          <a:fillRef idx="1">
+            <a:schemeClr val="accent1"/>
+          </a:fillRef>
+          <a:effectRef idx="0">
+            <a:schemeClr val="accent1"/>
+          </a:effectRef>
+          <a:fontRef idx="minor">
+            <a:schemeClr val="lt1"/>
+          </a:fontRef>
+        </p:style>
+        <p:txBody>
+          <a:bodyPr rtlCol="0" anchor="ctr"/>
+          <a:lstStyle/>
+          <a:p>
+            <a:pPr algn="ctr"/>
+            <a:endParaRPr lang="zh-TW" altLang="en-US"/>
+          </a:p>
+        </p:txBody>
+      </p:sp>
+      <p:pic>
+        <p:nvPicPr>
+          <p:cNvPr id="3" name="圖片 2">
+            <a:extLst>
+              <a:ext uri="{FF2B5EF4-FFF2-40B4-BE49-F238E27FC236}">
+                <a16:creationId xmlns:a16="http://schemas.microsoft.com/office/drawing/2014/main" id="{3234E6C0-0C19-448C-9A7C-9967C6FC90A2}"/>
+              </a:ext>
+            </a:extLst>
+          </p:cNvPr>
+          <p:cNvPicPr>
+            <a:picLocks noChangeAspect="1"/>
+          </p:cNvPicPr>
+          <p:nvPr/>
+        </p:nvPicPr>
+        <p:blipFill>
+          <a:blip r:embed="rId2">
+            <a:extLst>
+              <a:ext uri="{28A0092B-C50C-407E-A947-70E740481C1C}">
+                <a14:useLocalDpi xmlns:a14="http://schemas.microsoft.com/office/drawing/2010/main" val="0"/>
+              </a:ext>
+            </a:extLst>
+          </a:blip>
+          <a:stretch>
+            <a:fillRect/>
+          </a:stretch>
+        </p:blipFill>
+        <p:spPr>
+          <a:xfrm>
+            <a:off x="1705988" y="-627232"/>
+            <a:ext cx="1708554" cy="1620000"/>
+          </a:xfrm>
+          <a:prstGeom prst="rect">
+            <a:avLst/>
+          </a:prstGeom>
+        </p:spPr>
+      </p:pic>
+      <p:pic>
+        <p:nvPicPr>
+          <p:cNvPr id="5" name="圖片 4">
+            <a:extLst>
+              <a:ext uri="{FF2B5EF4-FFF2-40B4-BE49-F238E27FC236}">
+                <a16:creationId xmlns:a16="http://schemas.microsoft.com/office/drawing/2014/main" id="{8AD2DC2A-A338-4D53-8EEC-1D107CB55C96}"/>
+              </a:ext>
+            </a:extLst>
+          </p:cNvPr>
+          <p:cNvPicPr>
+            <a:picLocks noChangeAspect="1"/>
+          </p:cNvPicPr>
+          <p:nvPr/>
+        </p:nvPicPr>
+        <p:blipFill>
+          <a:blip r:embed="rId3">
+            <a:extLst>
+              <a:ext uri="{28A0092B-C50C-407E-A947-70E740481C1C}">
+                <a14:useLocalDpi xmlns:a14="http://schemas.microsoft.com/office/drawing/2010/main" val="0"/>
+              </a:ext>
+            </a:extLst>
+          </a:blip>
+          <a:stretch>
+            <a:fillRect/>
+          </a:stretch>
+        </p:blipFill>
+        <p:spPr>
+          <a:xfrm>
+            <a:off x="0" y="-627232"/>
+            <a:ext cx="1708554" cy="1620000"/>
+          </a:xfrm>
+          <a:prstGeom prst="rect">
+            <a:avLst/>
+          </a:prstGeom>
+        </p:spPr>
+      </p:pic>
+      <p:pic>
+        <p:nvPicPr>
+          <p:cNvPr id="9" name="圖片 8">
+            <a:extLst>
+              <a:ext uri="{FF2B5EF4-FFF2-40B4-BE49-F238E27FC236}">
+                <a16:creationId xmlns:a16="http://schemas.microsoft.com/office/drawing/2014/main" id="{0D31DF78-D62D-473F-A148-B4C6BE8CF749}"/>
+              </a:ext>
+            </a:extLst>
+          </p:cNvPr>
+          <p:cNvPicPr>
+            <a:picLocks noChangeAspect="1"/>
+          </p:cNvPicPr>
+          <p:nvPr/>
+        </p:nvPicPr>
+        <p:blipFill>
+          <a:blip r:embed="rId4">
+            <a:extLst>
+              <a:ext uri="{28A0092B-C50C-407E-A947-70E740481C1C}">
+                <a14:useLocalDpi xmlns:a14="http://schemas.microsoft.com/office/drawing/2010/main" val="0"/>
+              </a:ext>
+            </a:extLst>
+          </a:blip>
+          <a:stretch>
+            <a:fillRect/>
+          </a:stretch>
+        </p:blipFill>
+        <p:spPr>
+          <a:xfrm>
+            <a:off x="5118166" y="-627232"/>
+            <a:ext cx="1708554" cy="1620000"/>
+          </a:xfrm>
+          <a:prstGeom prst="rect">
+            <a:avLst/>
+          </a:prstGeom>
+        </p:spPr>
+      </p:pic>
+      <p:pic>
+        <p:nvPicPr>
+          <p:cNvPr id="11" name="圖片 10">
+            <a:extLst>
+              <a:ext uri="{FF2B5EF4-FFF2-40B4-BE49-F238E27FC236}">
+                <a16:creationId xmlns:a16="http://schemas.microsoft.com/office/drawing/2014/main" id="{C159DE5D-E9F9-486C-A709-521990FC6C17}"/>
+              </a:ext>
+            </a:extLst>
+          </p:cNvPr>
+          <p:cNvPicPr>
+            <a:picLocks noChangeAspect="1"/>
+          </p:cNvPicPr>
+          <p:nvPr/>
+        </p:nvPicPr>
+        <p:blipFill>
+          <a:blip r:embed="rId5">
+            <a:extLst>
+              <a:ext uri="{28A0092B-C50C-407E-A947-70E740481C1C}">
+                <a14:useLocalDpi xmlns:a14="http://schemas.microsoft.com/office/drawing/2010/main" val="0"/>
+              </a:ext>
+            </a:extLst>
+          </a:blip>
+          <a:stretch>
+            <a:fillRect/>
+          </a:stretch>
+        </p:blipFill>
+        <p:spPr>
+          <a:xfrm>
+            <a:off x="1705989" y="990225"/>
+            <a:ext cx="1708554" cy="1620000"/>
+          </a:xfrm>
+          <a:prstGeom prst="rect">
+            <a:avLst/>
+          </a:prstGeom>
+        </p:spPr>
+      </p:pic>
+      <p:pic>
+        <p:nvPicPr>
+          <p:cNvPr id="13" name="圖片 12">
+            <a:extLst>
+              <a:ext uri="{FF2B5EF4-FFF2-40B4-BE49-F238E27FC236}">
+                <a16:creationId xmlns:a16="http://schemas.microsoft.com/office/drawing/2014/main" id="{7EEAFBCD-6992-42CD-814A-A8CE7026E67D}"/>
+              </a:ext>
+            </a:extLst>
+          </p:cNvPr>
+          <p:cNvPicPr>
+            <a:picLocks noChangeAspect="1"/>
+          </p:cNvPicPr>
+          <p:nvPr/>
+        </p:nvPicPr>
+        <p:blipFill>
+          <a:blip r:embed="rId6">
+            <a:extLst>
+              <a:ext uri="{28A0092B-C50C-407E-A947-70E740481C1C}">
+                <a14:useLocalDpi xmlns:a14="http://schemas.microsoft.com/office/drawing/2010/main" val="0"/>
+              </a:ext>
+            </a:extLst>
+          </a:blip>
+          <a:stretch>
+            <a:fillRect/>
+          </a:stretch>
+        </p:blipFill>
+        <p:spPr>
+          <a:xfrm>
+            <a:off x="0" y="990225"/>
+            <a:ext cx="1708554" cy="1620000"/>
+          </a:xfrm>
+          <a:prstGeom prst="rect">
+            <a:avLst/>
+          </a:prstGeom>
+        </p:spPr>
+      </p:pic>
+      <p:pic>
+        <p:nvPicPr>
+          <p:cNvPr id="15" name="圖片 14">
+            <a:extLst>
+              <a:ext uri="{FF2B5EF4-FFF2-40B4-BE49-F238E27FC236}">
+                <a16:creationId xmlns:a16="http://schemas.microsoft.com/office/drawing/2014/main" id="{881CDAF7-A10D-402C-A763-03B772216D6D}"/>
+              </a:ext>
+            </a:extLst>
+          </p:cNvPr>
+          <p:cNvPicPr>
+            <a:picLocks noChangeAspect="1"/>
+          </p:cNvPicPr>
+          <p:nvPr/>
+        </p:nvPicPr>
+        <p:blipFill>
+          <a:blip r:embed="rId7">
+            <a:extLst>
+              <a:ext uri="{28A0092B-C50C-407E-A947-70E740481C1C}">
+                <a14:useLocalDpi xmlns:a14="http://schemas.microsoft.com/office/drawing/2010/main" val="0"/>
+              </a:ext>
+            </a:extLst>
+          </a:blip>
+          <a:stretch>
+            <a:fillRect/>
+          </a:stretch>
+        </p:blipFill>
+        <p:spPr>
+          <a:xfrm>
+            <a:off x="3415050" y="990225"/>
+            <a:ext cx="1708554" cy="1620000"/>
+          </a:xfrm>
+          <a:prstGeom prst="rect">
+            <a:avLst/>
+          </a:prstGeom>
+        </p:spPr>
+      </p:pic>
+      <p:pic>
+        <p:nvPicPr>
+          <p:cNvPr id="17" name="圖片 16">
+            <a:extLst>
+              <a:ext uri="{FF2B5EF4-FFF2-40B4-BE49-F238E27FC236}">
+                <a16:creationId xmlns:a16="http://schemas.microsoft.com/office/drawing/2014/main" id="{76F1D1ED-8E08-416F-BF5F-0118681C6C5A}"/>
+              </a:ext>
+            </a:extLst>
+          </p:cNvPr>
+          <p:cNvPicPr>
+            <a:picLocks noChangeAspect="1"/>
+          </p:cNvPicPr>
+          <p:nvPr/>
+        </p:nvPicPr>
+        <p:blipFill>
+          <a:blip r:embed="rId8">
+            <a:extLst>
+              <a:ext uri="{28A0092B-C50C-407E-A947-70E740481C1C}">
+                <a14:useLocalDpi xmlns:a14="http://schemas.microsoft.com/office/drawing/2010/main" val="0"/>
+              </a:ext>
+            </a:extLst>
+          </a:blip>
+          <a:stretch>
+            <a:fillRect/>
+          </a:stretch>
+        </p:blipFill>
+        <p:spPr>
+          <a:xfrm>
+            <a:off x="3415048" y="-627232"/>
+            <a:ext cx="1708554" cy="1620000"/>
+          </a:xfrm>
+          <a:prstGeom prst="rect">
+            <a:avLst/>
+          </a:prstGeom>
+        </p:spPr>
+      </p:pic>
+      <p:pic>
+        <p:nvPicPr>
+          <p:cNvPr id="19" name="圖片 18">
+            <a:extLst>
+              <a:ext uri="{FF2B5EF4-FFF2-40B4-BE49-F238E27FC236}">
+                <a16:creationId xmlns:a16="http://schemas.microsoft.com/office/drawing/2014/main" id="{49E7F9AB-8FEC-4878-9420-1F7B63438449}"/>
+              </a:ext>
+            </a:extLst>
+          </p:cNvPr>
+          <p:cNvPicPr>
+            <a:picLocks noChangeAspect="1"/>
+          </p:cNvPicPr>
+          <p:nvPr/>
+        </p:nvPicPr>
+        <p:blipFill>
+          <a:blip r:embed="rId9">
+            <a:extLst>
+              <a:ext uri="{28A0092B-C50C-407E-A947-70E740481C1C}">
+                <a14:useLocalDpi xmlns:a14="http://schemas.microsoft.com/office/drawing/2010/main" val="0"/>
+              </a:ext>
+            </a:extLst>
+          </a:blip>
+          <a:stretch>
+            <a:fillRect/>
+          </a:stretch>
+        </p:blipFill>
+        <p:spPr>
+          <a:xfrm>
+            <a:off x="5118167" y="990225"/>
+            <a:ext cx="1708553" cy="1620000"/>
+          </a:xfrm>
+          <a:prstGeom prst="rect">
+            <a:avLst/>
+          </a:prstGeom>
+        </p:spPr>
+      </p:pic>
+      <p:pic>
+        <p:nvPicPr>
+          <p:cNvPr id="10" name="圖片 9">
+            <a:extLst>
+              <a:ext uri="{FF2B5EF4-FFF2-40B4-BE49-F238E27FC236}">
+                <a16:creationId xmlns:a16="http://schemas.microsoft.com/office/drawing/2014/main" id="{657819F0-D7F4-4504-9D0A-36FEE860DFEA}"/>
+              </a:ext>
+            </a:extLst>
+          </p:cNvPr>
+          <p:cNvPicPr>
+            <a:picLocks/>
+          </p:cNvPicPr>
+          <p:nvPr/>
+        </p:nvPicPr>
+        <p:blipFill>
+          <a:blip r:embed="rId10"/>
+          <a:stretch>
+            <a:fillRect/>
+          </a:stretch>
+        </p:blipFill>
+        <p:spPr>
+          <a:xfrm>
+            <a:off x="1794812" y="2591285"/>
+            <a:ext cx="1710000" cy="1620000"/>
+          </a:xfrm>
+          <a:prstGeom prst="rect">
+            <a:avLst/>
+          </a:prstGeom>
+        </p:spPr>
+      </p:pic>
+      <p:pic>
+        <p:nvPicPr>
+          <p:cNvPr id="22" name="圖片 21">
+            <a:extLst>
+              <a:ext uri="{FF2B5EF4-FFF2-40B4-BE49-F238E27FC236}">
+                <a16:creationId xmlns:a16="http://schemas.microsoft.com/office/drawing/2014/main" id="{17D47684-BEA1-4F6F-A959-A99BEC18E484}"/>
+              </a:ext>
+            </a:extLst>
+          </p:cNvPr>
+          <p:cNvPicPr>
+            <a:picLocks noChangeAspect="1"/>
+          </p:cNvPicPr>
+          <p:nvPr/>
+        </p:nvPicPr>
+        <p:blipFill>
+          <a:blip r:embed="rId11"/>
+          <a:stretch>
+            <a:fillRect/>
+          </a:stretch>
+        </p:blipFill>
+        <p:spPr>
+          <a:xfrm>
+            <a:off x="3504813" y="2592913"/>
+            <a:ext cx="1715051" cy="1620000"/>
+          </a:xfrm>
+          <a:prstGeom prst="rect">
+            <a:avLst/>
+          </a:prstGeom>
+        </p:spPr>
+      </p:pic>
+      <p:pic>
+        <p:nvPicPr>
+          <p:cNvPr id="23" name="圖片 22">
+            <a:extLst>
+              <a:ext uri="{FF2B5EF4-FFF2-40B4-BE49-F238E27FC236}">
+                <a16:creationId xmlns:a16="http://schemas.microsoft.com/office/drawing/2014/main" id="{8A437216-E2AB-4FC3-A644-C8D6C982BD41}"/>
+              </a:ext>
+            </a:extLst>
+          </p:cNvPr>
+          <p:cNvPicPr>
+            <a:picLocks noChangeAspect="1"/>
+          </p:cNvPicPr>
+          <p:nvPr/>
+        </p:nvPicPr>
+        <p:blipFill>
+          <a:blip r:embed="rId12"/>
+          <a:stretch>
+            <a:fillRect/>
+          </a:stretch>
+        </p:blipFill>
+        <p:spPr>
+          <a:xfrm>
+            <a:off x="5211842" y="2592914"/>
+            <a:ext cx="1614878" cy="1614878"/>
+          </a:xfrm>
+          <a:prstGeom prst="rect">
+            <a:avLst/>
+          </a:prstGeom>
+        </p:spPr>
+      </p:pic>
+      <p:pic>
+        <p:nvPicPr>
+          <p:cNvPr id="25" name="圖片 24">
+            <a:extLst>
+              <a:ext uri="{FF2B5EF4-FFF2-40B4-BE49-F238E27FC236}">
+                <a16:creationId xmlns:a16="http://schemas.microsoft.com/office/drawing/2014/main" id="{7C64CAB2-EDE9-4A74-B7AB-412CF1BFBEF5}"/>
+              </a:ext>
+            </a:extLst>
+          </p:cNvPr>
+          <p:cNvPicPr>
+            <a:picLocks noChangeAspect="1"/>
+          </p:cNvPicPr>
+          <p:nvPr/>
+        </p:nvPicPr>
+        <p:blipFill>
+          <a:blip r:embed="rId13"/>
+          <a:stretch>
+            <a:fillRect/>
+          </a:stretch>
+        </p:blipFill>
+        <p:spPr>
+          <a:xfrm>
+            <a:off x="-671" y="2589657"/>
+            <a:ext cx="1815215" cy="1618135"/>
+          </a:xfrm>
+          <a:prstGeom prst="rect">
+            <a:avLst/>
+          </a:prstGeom>
+        </p:spPr>
+      </p:pic>
+    </p:spTree>
+    <p:extLst>
+      <p:ext uri="{BB962C8B-B14F-4D97-AF65-F5344CB8AC3E}">
+        <p14:creationId xmlns:p14="http://schemas.microsoft.com/office/powerpoint/2010/main" val="749831733"/>
       </p:ext>
     </p:extLst>
   </p:cSld>
